--- a/스크립트 중간 발표자료.pptx
+++ b/스크립트 중간 발표자료.pptx
@@ -5,7 +5,7 @@
     <p:sldMasterId id="2147483648" r:id="rId1"/>
   </p:sldMasterIdLst>
   <p:notesMasterIdLst>
-    <p:notesMasterId r:id="rId10"/>
+    <p:notesMasterId r:id="rId12"/>
   </p:notesMasterIdLst>
   <p:sldIdLst>
     <p:sldId id="256" r:id="rId2"/>
@@ -14,8 +14,10 @@
     <p:sldId id="261" r:id="rId5"/>
     <p:sldId id="260" r:id="rId6"/>
     <p:sldId id="259" r:id="rId7"/>
-    <p:sldId id="263" r:id="rId8"/>
-    <p:sldId id="262" r:id="rId9"/>
+    <p:sldId id="264" r:id="rId8"/>
+    <p:sldId id="265" r:id="rId9"/>
+    <p:sldId id="263" r:id="rId10"/>
+    <p:sldId id="262" r:id="rId11"/>
   </p:sldIdLst>
   <p:sldSz cx="12192000" cy="6858000"/>
   <p:notesSz cx="6858000" cy="9144000"/>
@@ -3448,45 +3450,7 @@
                   </a:glow>
                 </a:effectLst>
               </a:rPr>
-              <a:t>중간</a:t>
-            </a:r>
-            <a:r>
-              <a:rPr lang="ko-KR" altLang="en-US" sz="5500" dirty="0" smtClean="0">
-                <a:solidFill>
-                  <a:schemeClr val="bg1">
-                    <a:lumMod val="95000"/>
-                  </a:schemeClr>
-                </a:solidFill>
-                <a:effectLst>
-                  <a:glow rad="101600">
-                    <a:schemeClr val="tx1">
-                      <a:lumMod val="65000"/>
-                      <a:lumOff val="35000"/>
-                      <a:alpha val="53000"/>
-                    </a:schemeClr>
-                  </a:glow>
-                </a:effectLst>
-              </a:rPr>
-              <a:t> </a:t>
-            </a:r>
-            <a:r>
-              <a:rPr lang="ko-KR" altLang="en-US" sz="5500" dirty="0" smtClean="0">
-                <a:solidFill>
-                  <a:schemeClr val="bg1">
-                    <a:lumMod val="95000"/>
-                  </a:schemeClr>
-                </a:solidFill>
-                <a:effectLst>
-                  <a:glow rad="101600">
-                    <a:schemeClr val="tx1">
-                      <a:lumMod val="65000"/>
-                      <a:lumOff val="35000"/>
-                      <a:alpha val="53000"/>
-                    </a:schemeClr>
-                  </a:glow>
-                </a:effectLst>
-              </a:rPr>
-              <a:t>발표</a:t>
+              <a:t>중간 발표</a:t>
             </a:r>
             <a:endParaRPr lang="ko-KR" altLang="en-US" sz="5500" dirty="0">
               <a:solidFill>
@@ -3642,6 +3606,186 @@
     <p:extLst>
       <p:ext uri="{BB962C8B-B14F-4D97-AF65-F5344CB8AC3E}">
         <p14:creationId xmlns:p14="http://schemas.microsoft.com/office/powerpoint/2010/main" val="1480706813"/>
+      </p:ext>
+    </p:extLst>
+  </p:cSld>
+  <p:clrMapOvr>
+    <a:masterClrMapping/>
+  </p:clrMapOvr>
+  <p:timing>
+    <p:tnLst>
+      <p:par>
+        <p:cTn id="1" dur="indefinite" restart="never" nodeType="tmRoot"/>
+      </p:par>
+    </p:tnLst>
+  </p:timing>
+</p:sld>
+</file>
+
+<file path=ppt/slides/slide10.xml><?xml version="1.0" encoding="utf-8"?>
+<p:sld xmlns:a="http://schemas.openxmlformats.org/drawingml/2006/main" xmlns:r="http://schemas.openxmlformats.org/officeDocument/2006/relationships" xmlns:p="http://schemas.openxmlformats.org/presentationml/2006/main">
+  <p:cSld>
+    <p:spTree>
+      <p:nvGrpSpPr>
+        <p:cNvPr id="1" name=""/>
+        <p:cNvGrpSpPr/>
+        <p:nvPr/>
+      </p:nvGrpSpPr>
+      <p:grpSpPr>
+        <a:xfrm>
+          <a:off x="0" y="0"/>
+          <a:ext cx="0" cy="0"/>
+          <a:chOff x="0" y="0"/>
+          <a:chExt cx="0" cy="0"/>
+        </a:xfrm>
+      </p:grpSpPr>
+      <p:sp>
+        <p:nvSpPr>
+          <p:cNvPr id="3" name="내용 개체 틀 2"/>
+          <p:cNvSpPr>
+            <a:spLocks noGrp="1"/>
+          </p:cNvSpPr>
+          <p:nvPr>
+            <p:ph idx="1"/>
+          </p:nvPr>
+        </p:nvSpPr>
+        <p:spPr>
+          <a:xfrm>
+            <a:off x="1082040" y="2643822"/>
+            <a:ext cx="10515600" cy="4351338"/>
+          </a:xfrm>
+        </p:spPr>
+        <p:txBody>
+          <a:bodyPr>
+            <a:normAutofit/>
+          </a:bodyPr>
+          <a:lstStyle/>
+          <a:p>
+            <a:pPr marL="0" indent="0" algn="ctr">
+              <a:buNone/>
+            </a:pPr>
+            <a:r>
+              <a:rPr lang="ko-KR" altLang="en-US" sz="5400" dirty="0" smtClean="0"/>
+              <a:t>감사합니다</a:t>
+            </a:r>
+            <a:r>
+              <a:rPr lang="en-US" altLang="ko-KR" sz="5400" dirty="0" smtClean="0"/>
+              <a:t>!</a:t>
+            </a:r>
+            <a:endParaRPr lang="ko-KR" altLang="en-US" sz="5400" dirty="0"/>
+          </a:p>
+        </p:txBody>
+      </p:sp>
+      <p:sp>
+        <p:nvSpPr>
+          <p:cNvPr id="4" name="직사각형 3"/>
+          <p:cNvSpPr/>
+          <p:nvPr/>
+        </p:nvSpPr>
+        <p:spPr>
+          <a:xfrm>
+            <a:off x="396240" y="152400"/>
+            <a:ext cx="11795760" cy="883920"/>
+          </a:xfrm>
+          <a:prstGeom prst="rect">
+            <a:avLst/>
+          </a:prstGeom>
+          <a:solidFill>
+            <a:schemeClr val="accent2"/>
+          </a:solidFill>
+          <a:ln>
+            <a:noFill/>
+          </a:ln>
+        </p:spPr>
+        <p:style>
+          <a:lnRef idx="2">
+            <a:schemeClr val="accent1">
+              <a:shade val="50000"/>
+            </a:schemeClr>
+          </a:lnRef>
+          <a:fillRef idx="1">
+            <a:schemeClr val="accent1"/>
+          </a:fillRef>
+          <a:effectRef idx="0">
+            <a:schemeClr val="accent1"/>
+          </a:effectRef>
+          <a:fontRef idx="minor">
+            <a:schemeClr val="lt1"/>
+          </a:fontRef>
+        </p:style>
+        <p:txBody>
+          <a:bodyPr rtlCol="0" anchor="ctr"/>
+          <a:lstStyle/>
+          <a:p>
+            <a:pPr algn="ctr"/>
+            <a:endParaRPr lang="ko-KR" altLang="en-US"/>
+          </a:p>
+        </p:txBody>
+      </p:sp>
+      <p:sp>
+        <p:nvSpPr>
+          <p:cNvPr id="5" name="TextBox 4"/>
+          <p:cNvSpPr txBox="1"/>
+          <p:nvPr/>
+        </p:nvSpPr>
+        <p:spPr>
+          <a:xfrm>
+            <a:off x="1209675" y="297060"/>
+            <a:ext cx="7574280" cy="615553"/>
+          </a:xfrm>
+          <a:prstGeom prst="rect">
+            <a:avLst/>
+          </a:prstGeom>
+          <a:noFill/>
+        </p:spPr>
+        <p:txBody>
+          <a:bodyPr wrap="square" rtlCol="0">
+            <a:spAutoFit/>
+          </a:bodyPr>
+          <a:lstStyle/>
+          <a:p>
+            <a:r>
+              <a:rPr lang="ko-KR" altLang="en-US" sz="3400" dirty="0" smtClean="0"/>
+              <a:t>마침</a:t>
+            </a:r>
+            <a:endParaRPr lang="ko-KR" altLang="en-US" sz="3400" dirty="0"/>
+          </a:p>
+        </p:txBody>
+      </p:sp>
+      <p:pic>
+        <p:nvPicPr>
+          <p:cNvPr id="6" name="그림 5"/>
+          <p:cNvPicPr>
+            <a:picLocks noChangeAspect="1"/>
+          </p:cNvPicPr>
+          <p:nvPr/>
+        </p:nvPicPr>
+        <p:blipFill>
+          <a:blip r:embed="rId2" cstate="print">
+            <a:extLst>
+              <a:ext uri="{28A0092B-C50C-407E-A947-70E740481C1C}">
+                <a14:useLocalDpi xmlns:a14="http://schemas.microsoft.com/office/drawing/2010/main" val="0"/>
+              </a:ext>
+            </a:extLst>
+          </a:blip>
+          <a:stretch>
+            <a:fillRect/>
+          </a:stretch>
+        </p:blipFill>
+        <p:spPr>
+          <a:xfrm>
+            <a:off x="0" y="0"/>
+            <a:ext cx="1209675" cy="1209675"/>
+          </a:xfrm>
+          <a:prstGeom prst="rect">
+            <a:avLst/>
+          </a:prstGeom>
+        </p:spPr>
+      </p:pic>
+    </p:spTree>
+    <p:extLst>
+      <p:ext uri="{BB962C8B-B14F-4D97-AF65-F5344CB8AC3E}">
+        <p14:creationId xmlns:p14="http://schemas.microsoft.com/office/powerpoint/2010/main" val="3727534927"/>
       </p:ext>
     </p:extLst>
   </p:cSld>
@@ -3790,7 +3934,7 @@
         <p:spPr>
           <a:xfrm>
             <a:off x="1209675" y="1774895"/>
-            <a:ext cx="9610725" cy="3539430"/>
+            <a:ext cx="9610725" cy="5016758"/>
           </a:xfrm>
           <a:prstGeom prst="rect">
             <a:avLst/>
@@ -3814,11 +3958,7 @@
           <a:p>
             <a:r>
               <a:rPr lang="ko-KR" altLang="en-US" sz="3200" dirty="0" smtClean="0"/>
-              <a:t>◈구현 </a:t>
-            </a:r>
-            <a:r>
-              <a:rPr lang="ko-KR" altLang="en-US" sz="3200" dirty="0" smtClean="0"/>
-              <a:t>기능</a:t>
+              <a:t>◈구현 기능</a:t>
             </a:r>
             <a:endParaRPr lang="en-US" altLang="ko-KR" sz="3200" dirty="0" smtClean="0"/>
           </a:p>
@@ -3846,8 +3986,25 @@
             </a:r>
             <a:r>
               <a:rPr lang="ko-KR" altLang="en-US" sz="3200" dirty="0" smtClean="0"/>
-              <a:t> 현황</a:t>
-            </a:r>
+              <a:t> </a:t>
+            </a:r>
+            <a:r>
+              <a:rPr lang="ko-KR" altLang="en-US" sz="3200" dirty="0" smtClean="0"/>
+              <a:t>현황</a:t>
+            </a:r>
+            <a:endParaRPr lang="en-US" altLang="ko-KR" sz="3200" dirty="0" smtClean="0"/>
+          </a:p>
+          <a:p>
+            <a:endParaRPr lang="en-US" altLang="ko-KR" sz="3200" dirty="0" smtClean="0"/>
+          </a:p>
+          <a:p>
+            <a:r>
+              <a:rPr lang="ko-KR" altLang="en-US" sz="3200" dirty="0" smtClean="0"/>
+              <a:t>◈실행</a:t>
+            </a:r>
+            <a:endParaRPr lang="en-US" altLang="ko-KR" sz="3200" dirty="0"/>
+          </a:p>
+          <a:p>
             <a:endParaRPr lang="en-US" altLang="ko-KR" sz="3200" dirty="0"/>
           </a:p>
         </p:txBody>
@@ -4198,11 +4355,7 @@
           <a:p>
             <a:r>
               <a:rPr lang="ko-KR" altLang="en-US" sz="3400" dirty="0" smtClean="0"/>
-              <a:t>구현 </a:t>
-            </a:r>
-            <a:r>
-              <a:rPr lang="ko-KR" altLang="en-US" sz="3400" dirty="0" smtClean="0"/>
-              <a:t>기능</a:t>
+              <a:t>구현 기능</a:t>
             </a:r>
             <a:endParaRPr lang="ko-KR" altLang="en-US" sz="3400" dirty="0"/>
           </a:p>
@@ -4450,7 +4603,7 @@
           <p:nvPr>
             <p:extLst>
               <p:ext uri="{D42A27DB-BD31-4B8C-83A1-F6EECF244321}">
-                <p14:modId xmlns:p14="http://schemas.microsoft.com/office/powerpoint/2010/main" val="1382519498"/>
+                <p14:modId xmlns:p14="http://schemas.microsoft.com/office/powerpoint/2010/main" val="1846929586"/>
               </p:ext>
             </p:extLst>
           </p:nvPr>
@@ -4842,8 +4995,16 @@
                         <a:t>, </a:t>
                       </a:r>
                       <a:r>
+                        <a:rPr lang="en-US" altLang="ko-KR" dirty="0" err="1" smtClean="0"/>
+                        <a:t>isbn</a:t>
+                      </a:r>
+                      <a:r>
                         <a:rPr lang="ko-KR" altLang="en-US" dirty="0" smtClean="0"/>
-                        <a:t>출판사 등의 내용을 통한 검색 기능 구현</a:t>
+                        <a:t>의 내용을 </a:t>
+                      </a:r>
+                      <a:r>
+                        <a:rPr lang="ko-KR" altLang="en-US" dirty="0" smtClean="0"/>
+                        <a:t>통한 검색 기능 구현</a:t>
                       </a:r>
                       <a:endParaRPr lang="ko-KR" altLang="en-US" dirty="0"/>
                     </a:p>
@@ -5391,7 +5552,7 @@
       </p:pic>
       <p:pic>
         <p:nvPicPr>
-          <p:cNvPr id="2" name="그림 1"/>
+          <p:cNvPr id="4" name="그림 3"/>
           <p:cNvPicPr>
             <a:picLocks noChangeAspect="1"/>
           </p:cNvPicPr>
@@ -5411,38 +5572,8 @@
         </p:blipFill>
         <p:spPr>
           <a:xfrm>
-            <a:off x="1864993" y="3915076"/>
-            <a:ext cx="8619839" cy="2605788"/>
-          </a:xfrm>
-          <a:prstGeom prst="rect">
-            <a:avLst/>
-          </a:prstGeom>
-        </p:spPr>
-      </p:pic>
-      <p:pic>
-        <p:nvPicPr>
-          <p:cNvPr id="3" name="그림 2"/>
-          <p:cNvPicPr>
-            <a:picLocks noChangeAspect="1"/>
-          </p:cNvPicPr>
-          <p:nvPr/>
-        </p:nvPicPr>
-        <p:blipFill>
-          <a:blip r:embed="rId4">
-            <a:extLst>
-              <a:ext uri="{28A0092B-C50C-407E-A947-70E740481C1C}">
-                <a14:useLocalDpi xmlns:a14="http://schemas.microsoft.com/office/drawing/2010/main" val="0"/>
-              </a:ext>
-            </a:extLst>
-          </a:blip>
-          <a:stretch>
-            <a:fillRect/>
-          </a:stretch>
-        </p:blipFill>
-        <p:spPr>
-          <a:xfrm>
-            <a:off x="1864992" y="1209675"/>
-            <a:ext cx="8589647" cy="2443917"/>
+            <a:off x="1601102" y="1409764"/>
+            <a:ext cx="9190516" cy="4930567"/>
           </a:xfrm>
           <a:prstGeom prst="rect">
             <a:avLst/>
@@ -5555,8 +5686,12 @@
           <a:lstStyle/>
           <a:p>
             <a:r>
+              <a:rPr lang="ko-KR" altLang="en-US" sz="3400" dirty="0" err="1" smtClean="0"/>
+              <a:t>커밋</a:t>
+            </a:r>
+            <a:r>
               <a:rPr lang="ko-KR" altLang="en-US" sz="3400" dirty="0" smtClean="0"/>
-              <a:t>주소</a:t>
+              <a:t> 현황</a:t>
             </a:r>
             <a:endParaRPr lang="ko-KR" altLang="en-US" sz="3400" dirty="0"/>
           </a:p>
@@ -5592,114 +5727,40 @@
           </a:prstGeom>
         </p:spPr>
       </p:pic>
-      <p:sp>
-        <p:nvSpPr>
-          <p:cNvPr id="3" name="TextBox 2"/>
-          <p:cNvSpPr txBox="1"/>
+      <p:pic>
+        <p:nvPicPr>
+          <p:cNvPr id="4" name="그림 3"/>
+          <p:cNvPicPr>
+            <a:picLocks noChangeAspect="1"/>
+          </p:cNvPicPr>
           <p:nvPr/>
-        </p:nvSpPr>
-        <p:spPr>
-          <a:xfrm>
-            <a:off x="1392195" y="1458097"/>
-            <a:ext cx="8641491" cy="2031325"/>
+        </p:nvPicPr>
+        <p:blipFill>
+          <a:blip r:embed="rId3">
+            <a:extLst>
+              <a:ext uri="{28A0092B-C50C-407E-A947-70E740481C1C}">
+                <a14:useLocalDpi xmlns:a14="http://schemas.microsoft.com/office/drawing/2010/main" val="0"/>
+              </a:ext>
+            </a:extLst>
+          </a:blip>
+          <a:stretch>
+            <a:fillRect/>
+          </a:stretch>
+        </p:blipFill>
+        <p:spPr>
+          <a:xfrm>
+            <a:off x="1601102" y="1409764"/>
+            <a:ext cx="9190516" cy="4930567"/>
           </a:xfrm>
           <a:prstGeom prst="rect">
             <a:avLst/>
           </a:prstGeom>
-          <a:noFill/>
-        </p:spPr>
-        <p:txBody>
-          <a:bodyPr wrap="square" rtlCol="0">
-            <a:spAutoFit/>
-          </a:bodyPr>
-          <a:lstStyle/>
-          <a:p>
-            <a:r>
-              <a:rPr lang="ko-KR" altLang="en-US" dirty="0" err="1" smtClean="0"/>
-              <a:t>깃허브</a:t>
-            </a:r>
-            <a:r>
-              <a:rPr lang="ko-KR" altLang="en-US" dirty="0" smtClean="0"/>
-              <a:t> 주소 </a:t>
-            </a:r>
-            <a:r>
-              <a:rPr lang="en-US" altLang="ko-KR" dirty="0" smtClean="0"/>
-              <a:t>: </a:t>
-            </a:r>
-            <a:r>
-              <a:rPr lang="en-US" altLang="ko-KR" dirty="0" smtClean="0">
-                <a:hlinkClick r:id="rId3"/>
-              </a:rPr>
-              <a:t>https</a:t>
-            </a:r>
-            <a:r>
-              <a:rPr lang="en-US" altLang="ko-KR" dirty="0">
-                <a:hlinkClick r:id="rId3"/>
-              </a:rPr>
-              <a:t>://</a:t>
-            </a:r>
-            <a:r>
-              <a:rPr lang="en-US" altLang="ko-KR" dirty="0" smtClean="0">
-                <a:hlinkClick r:id="rId3"/>
-              </a:rPr>
-              <a:t>github.com/gusl0801/script.git</a:t>
-            </a:r>
-            <a:endParaRPr lang="en-US" altLang="ko-KR" dirty="0" smtClean="0"/>
-          </a:p>
-          <a:p>
-            <a:endParaRPr lang="en-US" altLang="ko-KR" dirty="0"/>
-          </a:p>
-          <a:p>
-            <a:r>
-              <a:rPr lang="ko-KR" altLang="en-US" dirty="0" smtClean="0"/>
-              <a:t>기획 발표 동영상 주소 </a:t>
-            </a:r>
-            <a:r>
-              <a:rPr lang="en-US" altLang="ko-KR" dirty="0" smtClean="0"/>
-              <a:t>: </a:t>
-            </a:r>
-            <a:r>
-              <a:rPr lang="en-US" altLang="ko-KR" dirty="0" smtClean="0">
-                <a:hlinkClick r:id="rId4"/>
-              </a:rPr>
-              <a:t>https</a:t>
-            </a:r>
-            <a:r>
-              <a:rPr lang="en-US" altLang="ko-KR" dirty="0">
-                <a:hlinkClick r:id="rId4"/>
-              </a:rPr>
-              <a:t>://</a:t>
-            </a:r>
-            <a:r>
-              <a:rPr lang="en-US" altLang="ko-KR" dirty="0" smtClean="0">
-                <a:hlinkClick r:id="rId4"/>
-              </a:rPr>
-              <a:t>www.youtube.com/watch?v=NWQZxkfrBZM&amp;feature=youtu.be</a:t>
-            </a:r>
-            <a:endParaRPr lang="en-US" altLang="ko-KR" dirty="0" smtClean="0"/>
-          </a:p>
-          <a:p>
-            <a:endParaRPr lang="en-US" altLang="ko-KR" dirty="0"/>
-          </a:p>
-          <a:p>
-            <a:r>
-              <a:rPr lang="ko-KR" altLang="en-US" dirty="0" smtClean="0"/>
-              <a:t>중간 발표 동영상 주소</a:t>
-            </a:r>
-            <a:r>
-              <a:rPr lang="en-US" altLang="ko-KR" dirty="0" smtClean="0"/>
-              <a:t>:</a:t>
-            </a:r>
-          </a:p>
-          <a:p>
-            <a:endParaRPr lang="ko-KR" altLang="en-US" dirty="0"/>
-          </a:p>
-        </p:txBody>
-      </p:sp>
+        </p:spPr>
+      </p:pic>
     </p:spTree>
     <p:extLst>
       <p:ext uri="{BB962C8B-B14F-4D97-AF65-F5344CB8AC3E}">
-        <p14:creationId xmlns:p14="http://schemas.microsoft.com/office/powerpoint/2010/main" val="4128461855"/>
+        <p14:creationId xmlns:p14="http://schemas.microsoft.com/office/powerpoint/2010/main" val="2686911364"/>
       </p:ext>
     </p:extLst>
   </p:cSld>
@@ -5735,44 +5796,7 @@
       </p:grpSpPr>
       <p:sp>
         <p:nvSpPr>
-          <p:cNvPr id="3" name="내용 개체 틀 2"/>
-          <p:cNvSpPr>
-            <a:spLocks noGrp="1"/>
-          </p:cNvSpPr>
-          <p:nvPr>
-            <p:ph idx="1"/>
-          </p:nvPr>
-        </p:nvSpPr>
-        <p:spPr>
-          <a:xfrm>
-            <a:off x="1082040" y="2643822"/>
-            <a:ext cx="10515600" cy="4351338"/>
-          </a:xfrm>
-        </p:spPr>
-        <p:txBody>
-          <a:bodyPr>
-            <a:normAutofit/>
-          </a:bodyPr>
-          <a:lstStyle/>
-          <a:p>
-            <a:pPr marL="0" indent="0" algn="ctr">
-              <a:buNone/>
-            </a:pPr>
-            <a:r>
-              <a:rPr lang="ko-KR" altLang="en-US" sz="5400" dirty="0" smtClean="0"/>
-              <a:t>감사합니다</a:t>
-            </a:r>
-            <a:r>
-              <a:rPr lang="en-US" altLang="ko-KR" sz="5400" dirty="0" smtClean="0"/>
-              <a:t>!</a:t>
-            </a:r>
-            <a:endParaRPr lang="ko-KR" altLang="en-US" sz="5400" dirty="0"/>
-          </a:p>
-        </p:txBody>
-      </p:sp>
-      <p:sp>
-        <p:nvSpPr>
-          <p:cNvPr id="4" name="직사각형 3"/>
+          <p:cNvPr id="10" name="직사각형 9"/>
           <p:cNvSpPr/>
           <p:nvPr/>
         </p:nvSpPr>
@@ -5818,7 +5842,7 @@
       </p:sp>
       <p:sp>
         <p:nvSpPr>
-          <p:cNvPr id="5" name="TextBox 4"/>
+          <p:cNvPr id="6" name="TextBox 5"/>
           <p:cNvSpPr txBox="1"/>
           <p:nvPr/>
         </p:nvSpPr>
@@ -5840,7 +5864,7 @@
           <a:p>
             <a:r>
               <a:rPr lang="ko-KR" altLang="en-US" sz="3400" dirty="0" smtClean="0"/>
-              <a:t>마침</a:t>
+              <a:t>실행</a:t>
             </a:r>
             <a:endParaRPr lang="ko-KR" altLang="en-US" sz="3400" dirty="0"/>
           </a:p>
@@ -5848,7 +5872,7 @@
       </p:sp>
       <p:pic>
         <p:nvPicPr>
-          <p:cNvPr id="6" name="그림 5"/>
+          <p:cNvPr id="9" name="그림 8"/>
           <p:cNvPicPr>
             <a:picLocks noChangeAspect="1"/>
           </p:cNvPicPr>
@@ -5879,13 +5903,272 @@
     </p:spTree>
     <p:extLst>
       <p:ext uri="{BB962C8B-B14F-4D97-AF65-F5344CB8AC3E}">
-        <p14:creationId xmlns:p14="http://schemas.microsoft.com/office/powerpoint/2010/main" val="3727534927"/>
+        <p14:creationId xmlns:p14="http://schemas.microsoft.com/office/powerpoint/2010/main" val="2898911404"/>
       </p:ext>
     </p:extLst>
   </p:cSld>
   <p:clrMapOvr>
     <a:masterClrMapping/>
   </p:clrMapOvr>
+  <p:timing>
+    <p:tnLst>
+      <p:par>
+        <p:cTn id="1" dur="indefinite" restart="never" nodeType="tmRoot"/>
+      </p:par>
+    </p:tnLst>
+  </p:timing>
+</p:sld>
+</file>
+
+<file path=ppt/slides/slide9.xml><?xml version="1.0" encoding="utf-8"?>
+<p:sld xmlns:a="http://schemas.openxmlformats.org/drawingml/2006/main" xmlns:r="http://schemas.openxmlformats.org/officeDocument/2006/relationships" xmlns:p="http://schemas.openxmlformats.org/presentationml/2006/main" show="0">
+  <p:cSld>
+    <p:spTree>
+      <p:nvGrpSpPr>
+        <p:cNvPr id="1" name=""/>
+        <p:cNvGrpSpPr/>
+        <p:nvPr/>
+      </p:nvGrpSpPr>
+      <p:grpSpPr>
+        <a:xfrm>
+          <a:off x="0" y="0"/>
+          <a:ext cx="0" cy="0"/>
+          <a:chOff x="0" y="0"/>
+          <a:chExt cx="0" cy="0"/>
+        </a:xfrm>
+      </p:grpSpPr>
+      <p:sp>
+        <p:nvSpPr>
+          <p:cNvPr id="10" name="직사각형 9"/>
+          <p:cNvSpPr/>
+          <p:nvPr/>
+        </p:nvSpPr>
+        <p:spPr>
+          <a:xfrm>
+            <a:off x="396240" y="152400"/>
+            <a:ext cx="11795760" cy="883920"/>
+          </a:xfrm>
+          <a:prstGeom prst="rect">
+            <a:avLst/>
+          </a:prstGeom>
+          <a:solidFill>
+            <a:schemeClr val="accent2"/>
+          </a:solidFill>
+          <a:ln>
+            <a:noFill/>
+          </a:ln>
+        </p:spPr>
+        <p:style>
+          <a:lnRef idx="2">
+            <a:schemeClr val="accent1">
+              <a:shade val="50000"/>
+            </a:schemeClr>
+          </a:lnRef>
+          <a:fillRef idx="1">
+            <a:schemeClr val="accent1"/>
+          </a:fillRef>
+          <a:effectRef idx="0">
+            <a:schemeClr val="accent1"/>
+          </a:effectRef>
+          <a:fontRef idx="minor">
+            <a:schemeClr val="lt1"/>
+          </a:fontRef>
+        </p:style>
+        <p:txBody>
+          <a:bodyPr rtlCol="0" anchor="ctr"/>
+          <a:lstStyle/>
+          <a:p>
+            <a:pPr algn="ctr"/>
+            <a:endParaRPr lang="ko-KR" altLang="en-US"/>
+          </a:p>
+        </p:txBody>
+      </p:sp>
+      <p:sp>
+        <p:nvSpPr>
+          <p:cNvPr id="6" name="TextBox 5"/>
+          <p:cNvSpPr txBox="1"/>
+          <p:nvPr/>
+        </p:nvSpPr>
+        <p:spPr>
+          <a:xfrm>
+            <a:off x="1209675" y="297060"/>
+            <a:ext cx="7574280" cy="615553"/>
+          </a:xfrm>
+          <a:prstGeom prst="rect">
+            <a:avLst/>
+          </a:prstGeom>
+          <a:noFill/>
+        </p:spPr>
+        <p:txBody>
+          <a:bodyPr wrap="square" rtlCol="0">
+            <a:spAutoFit/>
+          </a:bodyPr>
+          <a:lstStyle/>
+          <a:p>
+            <a:r>
+              <a:rPr lang="ko-KR" altLang="en-US" sz="3400" dirty="0" smtClean="0"/>
+              <a:t>주소</a:t>
+            </a:r>
+            <a:endParaRPr lang="ko-KR" altLang="en-US" sz="3400" dirty="0"/>
+          </a:p>
+        </p:txBody>
+      </p:sp>
+      <p:pic>
+        <p:nvPicPr>
+          <p:cNvPr id="9" name="그림 8"/>
+          <p:cNvPicPr>
+            <a:picLocks noChangeAspect="1"/>
+          </p:cNvPicPr>
+          <p:nvPr/>
+        </p:nvPicPr>
+        <p:blipFill>
+          <a:blip r:embed="rId2" cstate="print">
+            <a:extLst>
+              <a:ext uri="{28A0092B-C50C-407E-A947-70E740481C1C}">
+                <a14:useLocalDpi xmlns:a14="http://schemas.microsoft.com/office/drawing/2010/main" val="0"/>
+              </a:ext>
+            </a:extLst>
+          </a:blip>
+          <a:stretch>
+            <a:fillRect/>
+          </a:stretch>
+        </p:blipFill>
+        <p:spPr>
+          <a:xfrm>
+            <a:off x="0" y="0"/>
+            <a:ext cx="1209675" cy="1209675"/>
+          </a:xfrm>
+          <a:prstGeom prst="rect">
+            <a:avLst/>
+          </a:prstGeom>
+        </p:spPr>
+      </p:pic>
+      <p:sp>
+        <p:nvSpPr>
+          <p:cNvPr id="3" name="TextBox 2"/>
+          <p:cNvSpPr txBox="1"/>
+          <p:nvPr/>
+        </p:nvSpPr>
+        <p:spPr>
+          <a:xfrm>
+            <a:off x="1392195" y="1458097"/>
+            <a:ext cx="8641491" cy="2031325"/>
+          </a:xfrm>
+          <a:prstGeom prst="rect">
+            <a:avLst/>
+          </a:prstGeom>
+          <a:noFill/>
+        </p:spPr>
+        <p:txBody>
+          <a:bodyPr wrap="square" rtlCol="0">
+            <a:spAutoFit/>
+          </a:bodyPr>
+          <a:lstStyle/>
+          <a:p>
+            <a:r>
+              <a:rPr lang="ko-KR" altLang="en-US" dirty="0" err="1" smtClean="0"/>
+              <a:t>깃허브</a:t>
+            </a:r>
+            <a:r>
+              <a:rPr lang="ko-KR" altLang="en-US" dirty="0" smtClean="0"/>
+              <a:t> 주소 </a:t>
+            </a:r>
+            <a:r>
+              <a:rPr lang="en-US" altLang="ko-KR" dirty="0" smtClean="0"/>
+              <a:t>: </a:t>
+            </a:r>
+            <a:r>
+              <a:rPr lang="en-US" altLang="ko-KR" dirty="0" smtClean="0">
+                <a:hlinkClick r:id="rId3"/>
+              </a:rPr>
+              <a:t>https</a:t>
+            </a:r>
+            <a:r>
+              <a:rPr lang="en-US" altLang="ko-KR" dirty="0">
+                <a:hlinkClick r:id="rId3"/>
+              </a:rPr>
+              <a:t>://</a:t>
+            </a:r>
+            <a:r>
+              <a:rPr lang="en-US" altLang="ko-KR" dirty="0" smtClean="0">
+                <a:hlinkClick r:id="rId3"/>
+              </a:rPr>
+              <a:t>github.com/gusl0801/script.git</a:t>
+            </a:r>
+            <a:endParaRPr lang="en-US" altLang="ko-KR" dirty="0" smtClean="0"/>
+          </a:p>
+          <a:p>
+            <a:endParaRPr lang="en-US" altLang="ko-KR" dirty="0"/>
+          </a:p>
+          <a:p>
+            <a:r>
+              <a:rPr lang="ko-KR" altLang="en-US" dirty="0" smtClean="0"/>
+              <a:t>기획 발표 동영상 주소 </a:t>
+            </a:r>
+            <a:r>
+              <a:rPr lang="en-US" altLang="ko-KR" dirty="0" smtClean="0"/>
+              <a:t>: </a:t>
+            </a:r>
+            <a:r>
+              <a:rPr lang="en-US" altLang="ko-KR" dirty="0" smtClean="0">
+                <a:hlinkClick r:id="rId4"/>
+              </a:rPr>
+              <a:t>https</a:t>
+            </a:r>
+            <a:r>
+              <a:rPr lang="en-US" altLang="ko-KR" dirty="0">
+                <a:hlinkClick r:id="rId4"/>
+              </a:rPr>
+              <a:t>://</a:t>
+            </a:r>
+            <a:r>
+              <a:rPr lang="en-US" altLang="ko-KR" dirty="0" smtClean="0">
+                <a:hlinkClick r:id="rId4"/>
+              </a:rPr>
+              <a:t>www.youtube.com/watch?v=NWQZxkfrBZM&amp;feature=youtu.be</a:t>
+            </a:r>
+            <a:endParaRPr lang="en-US" altLang="ko-KR" dirty="0" smtClean="0"/>
+          </a:p>
+          <a:p>
+            <a:endParaRPr lang="en-US" altLang="ko-KR" dirty="0"/>
+          </a:p>
+          <a:p>
+            <a:r>
+              <a:rPr lang="ko-KR" altLang="en-US" dirty="0" smtClean="0"/>
+              <a:t>중간 발표 동영상 주소</a:t>
+            </a:r>
+            <a:r>
+              <a:rPr lang="en-US" altLang="ko-KR" dirty="0" smtClean="0"/>
+              <a:t>:</a:t>
+            </a:r>
+          </a:p>
+          <a:p>
+            <a:r>
+              <a:rPr lang="en-US" altLang="ko-KR"/>
+              <a:t>https://www.youtube.com/watch?v=6t-Sp63fss0&amp;feature=youtu.be</a:t>
+            </a:r>
+            <a:endParaRPr lang="ko-KR" altLang="en-US" dirty="0"/>
+          </a:p>
+        </p:txBody>
+      </p:sp>
+    </p:spTree>
+    <p:extLst>
+      <p:ext uri="{BB962C8B-B14F-4D97-AF65-F5344CB8AC3E}">
+        <p14:creationId xmlns:p14="http://schemas.microsoft.com/office/powerpoint/2010/main" val="4128461855"/>
+      </p:ext>
+    </p:extLst>
+  </p:cSld>
+  <p:clrMapOvr>
+    <a:masterClrMapping/>
+  </p:clrMapOvr>
+  <mc:AlternateContent xmlns:mc="http://schemas.openxmlformats.org/markup-compatibility/2006">
+    <mc:Choice xmlns:p14="http://schemas.microsoft.com/office/powerpoint/2010/main" Requires="p14">
+      <p:transition spd="slow" p14:dur="2000"/>
+    </mc:Choice>
+    <mc:Fallback>
+      <p:transition spd="slow"/>
+    </mc:Fallback>
+  </mc:AlternateContent>
   <p:timing>
     <p:tnLst>
       <p:par>
